--- a/crazy-words.pptx
+++ b/crazy-words.pptx
@@ -5,7 +5,7 @@
     <p:sldMasterId id="2147483660" r:id="rId1"/>
   </p:sldMasterIdLst>
   <p:notesMasterIdLst>
-    <p:notesMasterId r:id="rId11"/>
+    <p:notesMasterId r:id="rId14"/>
   </p:notesMasterIdLst>
   <p:sldIdLst>
     <p:sldId id="256" r:id="rId2"/>
@@ -16,7 +16,10 @@
     <p:sldId id="264" r:id="rId7"/>
     <p:sldId id="265" r:id="rId8"/>
     <p:sldId id="266" r:id="rId9"/>
-    <p:sldId id="259" r:id="rId10"/>
+    <p:sldId id="267" r:id="rId10"/>
+    <p:sldId id="268" r:id="rId11"/>
+    <p:sldId id="269" r:id="rId12"/>
+    <p:sldId id="259" r:id="rId13"/>
   </p:sldIdLst>
   <p:sldSz cx="12192000" cy="6858000"/>
   <p:notesSz cx="6858000" cy="9144000"/>
@@ -117,7 +120,18 @@
   </p:defaultTextStyle>
   <p:extLst>
     <p:ext uri="{EFAFB233-063F-42B5-8137-9DF3F51BA10A}">
-      <p15:sldGuideLst xmlns:p15="http://schemas.microsoft.com/office/powerpoint/2012/main"/>
+      <p15:sldGuideLst xmlns:p15="http://schemas.microsoft.com/office/powerpoint/2012/main">
+        <p15:guide id="1" orient="horz" pos="2160">
+          <p15:clr>
+            <a:srgbClr val="A4A3A4"/>
+          </p15:clr>
+        </p15:guide>
+        <p15:guide id="2" pos="3840">
+          <p15:clr>
+            <a:srgbClr val="A4A3A4"/>
+          </p15:clr>
+        </p15:guide>
+      </p15:sldGuideLst>
     </p:ext>
   </p:extLst>
 </p:presentation>
@@ -3715,6 +3729,440 @@
     <p:extLst>
       <p:ext uri="{BB962C8B-B14F-4D97-AF65-F5344CB8AC3E}">
         <p14:creationId xmlns:p14="http://schemas.microsoft.com/office/powerpoint/2010/main" val="3087095673"/>
+      </p:ext>
+    </p:extLst>
+  </p:cSld>
+  <p:clrMapOvr>
+    <a:masterClrMapping/>
+  </p:clrMapOvr>
+  <p:timing>
+    <p:tnLst>
+      <p:par>
+        <p:cTn id="1" dur="indefinite" restart="never" nodeType="tmRoot"/>
+      </p:par>
+    </p:tnLst>
+  </p:timing>
+</p:sld>
+</file>
+
+<file path=ppt/slides/slide10.xml><?xml version="1.0" encoding="utf-8"?>
+<p:sld xmlns:a="http://schemas.openxmlformats.org/drawingml/2006/main" xmlns:r="http://schemas.openxmlformats.org/officeDocument/2006/relationships" xmlns:p="http://schemas.openxmlformats.org/presentationml/2006/main">
+  <p:cSld>
+    <p:spTree>
+      <p:nvGrpSpPr>
+        <p:cNvPr id="1" name=""/>
+        <p:cNvGrpSpPr/>
+        <p:nvPr/>
+      </p:nvGrpSpPr>
+      <p:grpSpPr>
+        <a:xfrm>
+          <a:off x="0" y="0"/>
+          <a:ext cx="0" cy="0"/>
+          <a:chOff x="0" y="0"/>
+          <a:chExt cx="0" cy="0"/>
+        </a:xfrm>
+      </p:grpSpPr>
+      <p:sp>
+        <p:nvSpPr>
+          <p:cNvPr id="2" name="标题 1"/>
+          <p:cNvSpPr>
+            <a:spLocks noGrp="1"/>
+          </p:cNvSpPr>
+          <p:nvPr>
+            <p:ph type="title"/>
+          </p:nvPr>
+        </p:nvSpPr>
+        <p:spPr/>
+        <p:txBody>
+          <a:bodyPr/>
+          <a:lstStyle/>
+          <a:p>
+            <a:r>
+              <a:rPr lang="zh-CN" altLang="en-US" dirty="0" smtClean="0"/>
+              <a:t>结果展示</a:t>
+            </a:r>
+            <a:r>
+              <a:rPr lang="en-US" altLang="zh-CN" dirty="0" smtClean="0"/>
+              <a:t>-</a:t>
+            </a:r>
+            <a:r>
+              <a:rPr lang="zh-CN" altLang="en-US" dirty="0"/>
+              <a:t>错误</a:t>
+            </a:r>
+          </a:p>
+        </p:txBody>
+      </p:sp>
+      <p:sp>
+        <p:nvSpPr>
+          <p:cNvPr id="3" name="内容占位符 2"/>
+          <p:cNvSpPr>
+            <a:spLocks noGrp="1"/>
+          </p:cNvSpPr>
+          <p:nvPr>
+            <p:ph idx="1"/>
+          </p:nvPr>
+        </p:nvSpPr>
+        <p:spPr/>
+        <p:txBody>
+          <a:bodyPr/>
+          <a:lstStyle/>
+          <a:p>
+            <a:endParaRPr lang="zh-CN" altLang="en-US"/>
+          </a:p>
+        </p:txBody>
+      </p:sp>
+      <p:pic>
+        <p:nvPicPr>
+          <p:cNvPr id="4" name="图片 3"/>
+          <p:cNvPicPr>
+            <a:picLocks noChangeAspect="1"/>
+          </p:cNvPicPr>
+          <p:nvPr/>
+        </p:nvPicPr>
+        <p:blipFill>
+          <a:blip r:embed="rId2">
+            <a:extLst>
+              <a:ext uri="{28A0092B-C50C-407E-A947-70E740481C1C}">
+                <a14:useLocalDpi xmlns:a14="http://schemas.microsoft.com/office/drawing/2010/main" val="0"/>
+              </a:ext>
+            </a:extLst>
+          </a:blip>
+          <a:stretch>
+            <a:fillRect/>
+          </a:stretch>
+        </p:blipFill>
+        <p:spPr>
+          <a:xfrm>
+            <a:off x="3200400" y="2221149"/>
+            <a:ext cx="5791200" cy="3752850"/>
+          </a:xfrm>
+          <a:prstGeom prst="rect">
+            <a:avLst/>
+          </a:prstGeom>
+        </p:spPr>
+      </p:pic>
+    </p:spTree>
+    <p:extLst>
+      <p:ext uri="{BB962C8B-B14F-4D97-AF65-F5344CB8AC3E}">
+        <p14:creationId xmlns:p14="http://schemas.microsoft.com/office/powerpoint/2010/main" val="2032014106"/>
+      </p:ext>
+    </p:extLst>
+  </p:cSld>
+  <p:clrMapOvr>
+    <a:masterClrMapping/>
+  </p:clrMapOvr>
+  <p:timing>
+    <p:tnLst>
+      <p:par>
+        <p:cTn id="1" dur="indefinite" restart="never" nodeType="tmRoot">
+          <p:childTnLst>
+            <p:seq concurrent="1" nextAc="seek">
+              <p:cTn id="2" dur="indefinite" nodeType="mainSeq">
+                <p:childTnLst>
+                  <p:par>
+                    <p:cTn id="3" fill="hold">
+                      <p:stCondLst>
+                        <p:cond delay="indefinite"/>
+                      </p:stCondLst>
+                      <p:childTnLst>
+                        <p:par>
+                          <p:cTn id="4" fill="hold">
+                            <p:stCondLst>
+                              <p:cond delay="0"/>
+                            </p:stCondLst>
+                            <p:childTnLst>
+                              <p:par>
+                                <p:cTn id="5" presetID="1" presetClass="entr" presetSubtype="0" fill="hold" nodeType="clickEffect">
+                                  <p:stCondLst>
+                                    <p:cond delay="0"/>
+                                  </p:stCondLst>
+                                  <p:childTnLst>
+                                    <p:set>
+                                      <p:cBhvr>
+                                        <p:cTn id="6" dur="1" fill="hold">
+                                          <p:stCondLst>
+                                            <p:cond delay="0"/>
+                                          </p:stCondLst>
+                                        </p:cTn>
+                                        <p:tgtEl>
+                                          <p:spTgt spid="4"/>
+                                        </p:tgtEl>
+                                        <p:attrNameLst>
+                                          <p:attrName>style.visibility</p:attrName>
+                                        </p:attrNameLst>
+                                      </p:cBhvr>
+                                      <p:to>
+                                        <p:strVal val="visible"/>
+                                      </p:to>
+                                    </p:set>
+                                  </p:childTnLst>
+                                </p:cTn>
+                              </p:par>
+                            </p:childTnLst>
+                          </p:cTn>
+                        </p:par>
+                      </p:childTnLst>
+                    </p:cTn>
+                  </p:par>
+                </p:childTnLst>
+              </p:cTn>
+              <p:prevCondLst>
+                <p:cond evt="onPrev" delay="0">
+                  <p:tgtEl>
+                    <p:sldTgt/>
+                  </p:tgtEl>
+                </p:cond>
+              </p:prevCondLst>
+              <p:nextCondLst>
+                <p:cond evt="onNext" delay="0">
+                  <p:tgtEl>
+                    <p:sldTgt/>
+                  </p:tgtEl>
+                </p:cond>
+              </p:nextCondLst>
+            </p:seq>
+          </p:childTnLst>
+        </p:cTn>
+      </p:par>
+    </p:tnLst>
+  </p:timing>
+</p:sld>
+</file>
+
+<file path=ppt/slides/slide11.xml><?xml version="1.0" encoding="utf-8"?>
+<p:sld xmlns:a="http://schemas.openxmlformats.org/drawingml/2006/main" xmlns:r="http://schemas.openxmlformats.org/officeDocument/2006/relationships" xmlns:p="http://schemas.openxmlformats.org/presentationml/2006/main">
+  <p:cSld>
+    <p:spTree>
+      <p:nvGrpSpPr>
+        <p:cNvPr id="1" name=""/>
+        <p:cNvGrpSpPr/>
+        <p:nvPr/>
+      </p:nvGrpSpPr>
+      <p:grpSpPr>
+        <a:xfrm>
+          <a:off x="0" y="0"/>
+          <a:ext cx="0" cy="0"/>
+          <a:chOff x="0" y="0"/>
+          <a:chExt cx="0" cy="0"/>
+        </a:xfrm>
+      </p:grpSpPr>
+      <p:sp>
+        <p:nvSpPr>
+          <p:cNvPr id="2" name="标题 1"/>
+          <p:cNvSpPr>
+            <a:spLocks noGrp="1"/>
+          </p:cNvSpPr>
+          <p:nvPr>
+            <p:ph type="title"/>
+          </p:nvPr>
+        </p:nvSpPr>
+        <p:spPr/>
+        <p:txBody>
+          <a:bodyPr/>
+          <a:lstStyle/>
+          <a:p>
+            <a:r>
+              <a:rPr lang="zh-CN" altLang="en-US" dirty="0" smtClean="0"/>
+              <a:t>结果展示</a:t>
+            </a:r>
+            <a:r>
+              <a:rPr lang="en-US" altLang="zh-CN" dirty="0" smtClean="0"/>
+              <a:t>-</a:t>
+            </a:r>
+            <a:r>
+              <a:rPr lang="zh-CN" altLang="en-US" dirty="0" smtClean="0"/>
+              <a:t>相似</a:t>
+            </a:r>
+            <a:endParaRPr lang="zh-CN" altLang="en-US" dirty="0"/>
+          </a:p>
+        </p:txBody>
+      </p:sp>
+      <p:sp>
+        <p:nvSpPr>
+          <p:cNvPr id="3" name="内容占位符 2"/>
+          <p:cNvSpPr>
+            <a:spLocks noGrp="1"/>
+          </p:cNvSpPr>
+          <p:nvPr>
+            <p:ph idx="1"/>
+          </p:nvPr>
+        </p:nvSpPr>
+        <p:spPr/>
+        <p:txBody>
+          <a:bodyPr/>
+          <a:lstStyle/>
+          <a:p>
+            <a:endParaRPr lang="zh-CN" altLang="en-US"/>
+          </a:p>
+        </p:txBody>
+      </p:sp>
+      <p:pic>
+        <p:nvPicPr>
+          <p:cNvPr id="4" name="内容占位符 3"/>
+          <p:cNvPicPr>
+            <a:picLocks noChangeAspect="1"/>
+          </p:cNvPicPr>
+          <p:nvPr/>
+        </p:nvPicPr>
+        <p:blipFill>
+          <a:blip r:embed="rId2">
+            <a:extLst>
+              <a:ext uri="{28A0092B-C50C-407E-A947-70E740481C1C}">
+                <a14:useLocalDpi xmlns:a14="http://schemas.microsoft.com/office/drawing/2010/main" val="0"/>
+              </a:ext>
+            </a:extLst>
+          </a:blip>
+          <a:stretch>
+            <a:fillRect/>
+          </a:stretch>
+        </p:blipFill>
+        <p:spPr>
+          <a:xfrm>
+            <a:off x="3200400" y="2391829"/>
+            <a:ext cx="6258266" cy="4055521"/>
+          </a:xfrm>
+          <a:prstGeom prst="rect">
+            <a:avLst/>
+          </a:prstGeom>
+        </p:spPr>
+      </p:pic>
+    </p:spTree>
+    <p:extLst>
+      <p:ext uri="{BB962C8B-B14F-4D97-AF65-F5344CB8AC3E}">
+        <p14:creationId xmlns:p14="http://schemas.microsoft.com/office/powerpoint/2010/main" val="619240222"/>
+      </p:ext>
+    </p:extLst>
+  </p:cSld>
+  <p:clrMapOvr>
+    <a:masterClrMapping/>
+  </p:clrMapOvr>
+  <p:timing>
+    <p:tnLst>
+      <p:par>
+        <p:cTn id="1" dur="indefinite" restart="never" nodeType="tmRoot">
+          <p:childTnLst>
+            <p:seq concurrent="1" nextAc="seek">
+              <p:cTn id="2" dur="indefinite" nodeType="mainSeq">
+                <p:childTnLst>
+                  <p:par>
+                    <p:cTn id="3" fill="hold">
+                      <p:stCondLst>
+                        <p:cond delay="indefinite"/>
+                      </p:stCondLst>
+                      <p:childTnLst>
+                        <p:par>
+                          <p:cTn id="4" fill="hold">
+                            <p:stCondLst>
+                              <p:cond delay="0"/>
+                            </p:stCondLst>
+                            <p:childTnLst>
+                              <p:par>
+                                <p:cTn id="5" presetID="1" presetClass="entr" presetSubtype="0" fill="hold" nodeType="clickEffect">
+                                  <p:stCondLst>
+                                    <p:cond delay="0"/>
+                                  </p:stCondLst>
+                                  <p:childTnLst>
+                                    <p:set>
+                                      <p:cBhvr>
+                                        <p:cTn id="6" dur="1" fill="hold">
+                                          <p:stCondLst>
+                                            <p:cond delay="0"/>
+                                          </p:stCondLst>
+                                        </p:cTn>
+                                        <p:tgtEl>
+                                          <p:spTgt spid="4"/>
+                                        </p:tgtEl>
+                                        <p:attrNameLst>
+                                          <p:attrName>style.visibility</p:attrName>
+                                        </p:attrNameLst>
+                                      </p:cBhvr>
+                                      <p:to>
+                                        <p:strVal val="visible"/>
+                                      </p:to>
+                                    </p:set>
+                                  </p:childTnLst>
+                                </p:cTn>
+                              </p:par>
+                            </p:childTnLst>
+                          </p:cTn>
+                        </p:par>
+                      </p:childTnLst>
+                    </p:cTn>
+                  </p:par>
+                </p:childTnLst>
+              </p:cTn>
+              <p:prevCondLst>
+                <p:cond evt="onPrev" delay="0">
+                  <p:tgtEl>
+                    <p:sldTgt/>
+                  </p:tgtEl>
+                </p:cond>
+              </p:prevCondLst>
+              <p:nextCondLst>
+                <p:cond evt="onNext" delay="0">
+                  <p:tgtEl>
+                    <p:sldTgt/>
+                  </p:tgtEl>
+                </p:cond>
+              </p:nextCondLst>
+            </p:seq>
+          </p:childTnLst>
+        </p:cTn>
+      </p:par>
+    </p:tnLst>
+  </p:timing>
+</p:sld>
+</file>
+
+<file path=ppt/slides/slide12.xml><?xml version="1.0" encoding="utf-8"?>
+<p:sld xmlns:a="http://schemas.openxmlformats.org/drawingml/2006/main" xmlns:r="http://schemas.openxmlformats.org/officeDocument/2006/relationships" xmlns:p="http://schemas.openxmlformats.org/presentationml/2006/main">
+  <p:cSld>
+    <p:spTree>
+      <p:nvGrpSpPr>
+        <p:cNvPr id="1" name=""/>
+        <p:cNvGrpSpPr/>
+        <p:nvPr/>
+      </p:nvGrpSpPr>
+      <p:grpSpPr>
+        <a:xfrm>
+          <a:off x="0" y="0"/>
+          <a:ext cx="0" cy="0"/>
+          <a:chOff x="0" y="0"/>
+          <a:chExt cx="0" cy="0"/>
+        </a:xfrm>
+      </p:grpSpPr>
+      <p:sp>
+        <p:nvSpPr>
+          <p:cNvPr id="2" name="标题 1"/>
+          <p:cNvSpPr>
+            <a:spLocks noGrp="1"/>
+          </p:cNvSpPr>
+          <p:nvPr>
+            <p:ph type="title"/>
+          </p:nvPr>
+        </p:nvSpPr>
+        <p:spPr>
+          <a:xfrm>
+            <a:off x="2146469" y="2395559"/>
+            <a:ext cx="7729728" cy="1188720"/>
+          </a:xfrm>
+        </p:spPr>
+        <p:txBody>
+          <a:bodyPr/>
+          <a:lstStyle/>
+          <a:p>
+            <a:r>
+              <a:rPr lang="en-US" altLang="zh-CN" dirty="0" smtClean="0"/>
+              <a:t>Q&amp;A</a:t>
+            </a:r>
+            <a:endParaRPr lang="zh-CN" altLang="en-US" dirty="0"/>
+          </a:p>
+        </p:txBody>
+      </p:sp>
+    </p:spTree>
+    <p:extLst>
+      <p:ext uri="{BB962C8B-B14F-4D97-AF65-F5344CB8AC3E}">
+        <p14:creationId xmlns:p14="http://schemas.microsoft.com/office/powerpoint/2010/main" val="4001167684"/>
       </p:ext>
     </p:extLst>
   </p:cSld>
@@ -4786,25 +5234,35 @@
           </a:p>
         </p:txBody>
       </p:sp>
-      <p:sp>
-        <p:nvSpPr>
-          <p:cNvPr id="3" name="内容占位符 2"/>
-          <p:cNvSpPr>
-            <a:spLocks noGrp="1"/>
-          </p:cNvSpPr>
+      <p:pic>
+        <p:nvPicPr>
+          <p:cNvPr id="6" name="内容占位符 5"/>
+          <p:cNvPicPr>
+            <a:picLocks noGrp="1" noChangeAspect="1"/>
+          </p:cNvPicPr>
           <p:nvPr>
             <p:ph idx="1"/>
           </p:nvPr>
-        </p:nvSpPr>
-        <p:spPr/>
-        <p:txBody>
-          <a:bodyPr/>
-          <a:lstStyle/>
-          <a:p>
-            <a:endParaRPr lang="zh-CN" altLang="en-US"/>
-          </a:p>
-        </p:txBody>
-      </p:sp>
+        </p:nvPicPr>
+        <p:blipFill>
+          <a:blip r:embed="rId2">
+            <a:extLst>
+              <a:ext uri="{28A0092B-C50C-407E-A947-70E740481C1C}">
+                <a14:useLocalDpi xmlns:a14="http://schemas.microsoft.com/office/drawing/2010/main" val="0"/>
+              </a:ext>
+            </a:extLst>
+          </a:blip>
+          <a:stretch>
+            <a:fillRect/>
+          </a:stretch>
+        </p:blipFill>
+        <p:spPr>
+          <a:xfrm>
+            <a:off x="3006296" y="2390452"/>
+            <a:ext cx="6179407" cy="4004419"/>
+          </a:xfrm>
+        </p:spPr>
+      </p:pic>
     </p:spTree>
     <p:extLst>
       <p:ext uri="{BB962C8B-B14F-4D97-AF65-F5344CB8AC3E}">
@@ -5001,10 +5459,101 @@
         </p:nvSpPr>
         <p:spPr/>
         <p:txBody>
-          <a:bodyPr/>
-          <a:lstStyle/>
-          <a:p>
-            <a:endParaRPr lang="zh-CN" altLang="en-US"/>
+          <a:bodyPr>
+            <a:noAutofit/>
+          </a:bodyPr>
+          <a:lstStyle/>
+          <a:p>
+            <a:r>
+              <a:rPr lang="en-US" altLang="zh-CN" sz="2400" dirty="0"/>
+              <a:t>1.</a:t>
+            </a:r>
+            <a:r>
+              <a:rPr lang="zh-CN" altLang="en-US" sz="2400" dirty="0" smtClean="0"/>
+              <a:t>图片</a:t>
+            </a:r>
+            <a:r>
+              <a:rPr lang="en-US" altLang="zh-CN" sz="2400" dirty="0" smtClean="0"/>
+              <a:t>answer:</a:t>
+            </a:r>
+            <a:r>
+              <a:rPr lang="zh-CN" altLang="en-US" sz="2400" dirty="0"/>
+              <a:t>中文描述</a:t>
+            </a:r>
+          </a:p>
+          <a:p>
+            <a:r>
+              <a:rPr lang="en-US" altLang="zh-CN" sz="2400" dirty="0"/>
+              <a:t>2.</a:t>
+            </a:r>
+            <a:r>
+              <a:rPr lang="zh-CN" altLang="en-US" sz="2400" dirty="0"/>
+              <a:t>根据中文的描述查阅字典，得到图片所有的相关英文单词</a:t>
+            </a:r>
+          </a:p>
+          <a:p>
+            <a:r>
+              <a:rPr lang="en-US" altLang="zh-CN" sz="2400" dirty="0"/>
+              <a:t>3.</a:t>
+            </a:r>
+            <a:r>
+              <a:rPr lang="zh-CN" altLang="en-US" sz="2400" dirty="0"/>
+              <a:t>分数判断：</a:t>
+            </a:r>
+          </a:p>
+          <a:p>
+            <a:pPr marL="0" indent="0">
+              <a:buNone/>
+            </a:pPr>
+            <a:r>
+              <a:rPr lang="zh-CN" altLang="en-US" sz="2400" dirty="0" smtClean="0"/>
+              <a:t>    第一</a:t>
+            </a:r>
+            <a:r>
+              <a:rPr lang="zh-CN" altLang="en-US" sz="2400" dirty="0"/>
+              <a:t>种情况：如果该用户的</a:t>
+            </a:r>
+            <a:r>
+              <a:rPr lang="en-US" altLang="zh-CN" sz="2400" dirty="0"/>
+              <a:t>answer</a:t>
+            </a:r>
+            <a:r>
+              <a:rPr lang="zh-CN" altLang="en-US" sz="2400" dirty="0"/>
+              <a:t>出现在中文对应的英文单词中，判断正确率为</a:t>
+            </a:r>
+            <a:r>
+              <a:rPr lang="en-US" altLang="zh-CN" sz="2400" dirty="0"/>
+              <a:t>100%</a:t>
+            </a:r>
+          </a:p>
+          <a:p>
+            <a:pPr marL="0" indent="0">
+              <a:buNone/>
+            </a:pPr>
+            <a:r>
+              <a:rPr lang="zh-CN" altLang="en-US" sz="2400" dirty="0" smtClean="0"/>
+              <a:t>    第二</a:t>
+            </a:r>
+            <a:r>
+              <a:rPr lang="zh-CN" altLang="en-US" sz="2400" dirty="0"/>
+              <a:t>种情况：根据</a:t>
+            </a:r>
+            <a:r>
+              <a:rPr lang="en-US" altLang="zh-CN" sz="2400" dirty="0" err="1"/>
+              <a:t>nltk</a:t>
+            </a:r>
+            <a:r>
+              <a:rPr lang="zh-CN" altLang="en-US" sz="2400" dirty="0"/>
+              <a:t>库来判断</a:t>
+            </a:r>
+            <a:r>
+              <a:rPr lang="en-US" altLang="zh-CN" sz="2400" dirty="0"/>
+              <a:t>answer</a:t>
+            </a:r>
+            <a:r>
+              <a:rPr lang="zh-CN" altLang="en-US" sz="2400" dirty="0"/>
+              <a:t>与各个答案之间相似度的最大值</a:t>
+            </a:r>
           </a:p>
         </p:txBody>
       </p:sp>
@@ -5062,15 +5611,57 @@
           <a:p>
             <a:r>
               <a:rPr lang="zh-CN" altLang="en-US" dirty="0" smtClean="0"/>
-              <a:t>结果展示</a:t>
+              <a:t>结果</a:t>
+            </a:r>
+            <a:r>
+              <a:rPr lang="zh-CN" altLang="en-US" dirty="0" smtClean="0"/>
+              <a:t>展示</a:t>
+            </a:r>
+            <a:r>
+              <a:rPr lang="en-US" altLang="zh-CN" dirty="0" smtClean="0"/>
+              <a:t>-</a:t>
+            </a:r>
+            <a:r>
+              <a:rPr lang="zh-CN" altLang="en-US" dirty="0"/>
+              <a:t>答对</a:t>
             </a:r>
             <a:endParaRPr lang="zh-CN" altLang="en-US" dirty="0"/>
           </a:p>
         </p:txBody>
       </p:sp>
-      <p:sp>
-        <p:nvSpPr>
-          <p:cNvPr id="3" name="内容占位符 2"/>
+      <p:pic>
+        <p:nvPicPr>
+          <p:cNvPr id="7" name="图片 6"/>
+          <p:cNvPicPr>
+            <a:picLocks noChangeAspect="1"/>
+          </p:cNvPicPr>
+          <p:nvPr/>
+        </p:nvPicPr>
+        <p:blipFill>
+          <a:blip r:embed="rId2">
+            <a:extLst>
+              <a:ext uri="{28A0092B-C50C-407E-A947-70E740481C1C}">
+                <a14:useLocalDpi xmlns:a14="http://schemas.microsoft.com/office/drawing/2010/main" val="0"/>
+              </a:ext>
+            </a:extLst>
+          </a:blip>
+          <a:stretch>
+            <a:fillRect/>
+          </a:stretch>
+        </p:blipFill>
+        <p:spPr>
+          <a:xfrm>
+            <a:off x="3200400" y="2638044"/>
+            <a:ext cx="5791200" cy="3752850"/>
+          </a:xfrm>
+          <a:prstGeom prst="rect">
+            <a:avLst/>
+          </a:prstGeom>
+        </p:spPr>
+      </p:pic>
+      <p:sp>
+        <p:nvSpPr>
+          <p:cNvPr id="8" name="内容占位符 7"/>
           <p:cNvSpPr>
             <a:spLocks noGrp="1"/>
           </p:cNvSpPr>
@@ -5100,9 +5691,125 @@
   <p:timing>
     <p:tnLst>
       <p:par>
-        <p:cTn id="1" dur="indefinite" restart="never" nodeType="tmRoot"/>
+        <p:cTn id="1" dur="indefinite" restart="never" nodeType="tmRoot">
+          <p:childTnLst>
+            <p:seq concurrent="1" nextAc="seek">
+              <p:cTn id="2" dur="indefinite" nodeType="mainSeq">
+                <p:childTnLst>
+                  <p:par>
+                    <p:cTn id="3" fill="hold">
+                      <p:stCondLst>
+                        <p:cond delay="indefinite"/>
+                      </p:stCondLst>
+                      <p:childTnLst>
+                        <p:par>
+                          <p:cTn id="4" fill="hold">
+                            <p:stCondLst>
+                              <p:cond delay="0"/>
+                            </p:stCondLst>
+                            <p:childTnLst>
+                              <p:par>
+                                <p:cTn id="5" presetID="1" presetClass="entr" presetSubtype="0" fill="hold" grpId="0" nodeType="clickEffect">
+                                  <p:stCondLst>
+                                    <p:cond delay="0"/>
+                                  </p:stCondLst>
+                                  <p:childTnLst>
+                                    <p:set>
+                                      <p:cBhvr>
+                                        <p:cTn id="6" dur="1" fill="hold">
+                                          <p:stCondLst>
+                                            <p:cond delay="0"/>
+                                          </p:stCondLst>
+                                        </p:cTn>
+                                        <p:tgtEl>
+                                          <p:spTgt spid="2"/>
+                                        </p:tgtEl>
+                                        <p:attrNameLst>
+                                          <p:attrName>style.visibility</p:attrName>
+                                        </p:attrNameLst>
+                                      </p:cBhvr>
+                                      <p:to>
+                                        <p:strVal val="visible"/>
+                                      </p:to>
+                                    </p:set>
+                                  </p:childTnLst>
+                                </p:cTn>
+                              </p:par>
+                            </p:childTnLst>
+                          </p:cTn>
+                        </p:par>
+                      </p:childTnLst>
+                    </p:cTn>
+                  </p:par>
+                  <p:par>
+                    <p:cTn id="7" fill="hold">
+                      <p:stCondLst>
+                        <p:cond delay="indefinite"/>
+                      </p:stCondLst>
+                      <p:childTnLst>
+                        <p:par>
+                          <p:cTn id="8" fill="hold">
+                            <p:stCondLst>
+                              <p:cond delay="0"/>
+                            </p:stCondLst>
+                            <p:childTnLst>
+                              <p:par>
+                                <p:cTn id="9" presetID="1" presetClass="entr" presetSubtype="0" fill="hold" nodeType="clickEffect">
+                                  <p:stCondLst>
+                                    <p:cond delay="0"/>
+                                  </p:stCondLst>
+                                  <p:childTnLst>
+                                    <p:set>
+                                      <p:cBhvr>
+                                        <p:cTn id="10" dur="1" fill="hold">
+                                          <p:stCondLst>
+                                            <p:cond delay="0"/>
+                                          </p:stCondLst>
+                                        </p:cTn>
+                                        <p:tgtEl>
+                                          <p:spTgt spid="7"/>
+                                        </p:tgtEl>
+                                        <p:attrNameLst>
+                                          <p:attrName>style.visibility</p:attrName>
+                                        </p:attrNameLst>
+                                      </p:cBhvr>
+                                      <p:to>
+                                        <p:strVal val="visible"/>
+                                      </p:to>
+                                    </p:set>
+                                  </p:childTnLst>
+                                </p:cTn>
+                              </p:par>
+                            </p:childTnLst>
+                          </p:cTn>
+                        </p:par>
+                      </p:childTnLst>
+                    </p:cTn>
+                  </p:par>
+                </p:childTnLst>
+              </p:cTn>
+              <p:prevCondLst>
+                <p:cond evt="onPrev" delay="0">
+                  <p:tgtEl>
+                    <p:sldTgt/>
+                  </p:tgtEl>
+                </p:cond>
+              </p:prevCondLst>
+              <p:nextCondLst>
+                <p:cond evt="onNext" delay="0">
+                  <p:tgtEl>
+                    <p:sldTgt/>
+                  </p:tgtEl>
+                </p:cond>
+              </p:nextCondLst>
+            </p:seq>
+          </p:childTnLst>
+        </p:cTn>
       </p:par>
     </p:tnLst>
+    <p:bldLst>
+      <p:bldP spid="2" grpId="0" animBg="1"/>
+    </p:bldLst>
   </p:timing>
 </p:sld>
 </file>
@@ -5134,28 +5841,79 @@
             <p:ph type="title"/>
           </p:nvPr>
         </p:nvSpPr>
+        <p:spPr/>
+        <p:txBody>
+          <a:bodyPr/>
+          <a:lstStyle/>
+          <a:p>
+            <a:r>
+              <a:rPr lang="zh-CN" altLang="en-US" dirty="0" smtClean="0"/>
+              <a:t>结果展示</a:t>
+            </a:r>
+            <a:r>
+              <a:rPr lang="en-US" altLang="zh-CN" dirty="0" smtClean="0"/>
+              <a:t>-</a:t>
+            </a:r>
+            <a:r>
+              <a:rPr lang="zh-CN" altLang="en-US" dirty="0"/>
+              <a:t>缩写</a:t>
+            </a:r>
+          </a:p>
+        </p:txBody>
+      </p:sp>
+      <p:sp>
+        <p:nvSpPr>
+          <p:cNvPr id="3" name="内容占位符 2"/>
+          <p:cNvSpPr>
+            <a:spLocks noGrp="1"/>
+          </p:cNvSpPr>
+          <p:nvPr>
+            <p:ph idx="1"/>
+          </p:nvPr>
+        </p:nvSpPr>
+        <p:spPr/>
+        <p:txBody>
+          <a:bodyPr/>
+          <a:lstStyle/>
+          <a:p>
+            <a:endParaRPr lang="zh-CN" altLang="en-US"/>
+          </a:p>
+        </p:txBody>
+      </p:sp>
+      <p:pic>
+        <p:nvPicPr>
+          <p:cNvPr id="4" name="图片 3"/>
+          <p:cNvPicPr>
+            <a:picLocks noChangeAspect="1"/>
+          </p:cNvPicPr>
+          <p:nvPr/>
+        </p:nvPicPr>
+        <p:blipFill>
+          <a:blip r:embed="rId2">
+            <a:extLst>
+              <a:ext uri="{28A0092B-C50C-407E-A947-70E740481C1C}">
+                <a14:useLocalDpi xmlns:a14="http://schemas.microsoft.com/office/drawing/2010/main" val="0"/>
+              </a:ext>
+            </a:extLst>
+          </a:blip>
+          <a:stretch>
+            <a:fillRect/>
+          </a:stretch>
+        </p:blipFill>
         <p:spPr>
           <a:xfrm>
-            <a:off x="2146469" y="2395559"/>
-            <a:ext cx="7729728" cy="1188720"/>
+            <a:off x="3200400" y="2513061"/>
+            <a:ext cx="5791200" cy="3752850"/>
           </a:xfrm>
+          <a:prstGeom prst="rect">
+            <a:avLst/>
+          </a:prstGeom>
         </p:spPr>
-        <p:txBody>
-          <a:bodyPr/>
-          <a:lstStyle/>
-          <a:p>
-            <a:r>
-              <a:rPr lang="en-US" altLang="zh-CN" dirty="0" smtClean="0"/>
-              <a:t>Q&amp;A</a:t>
-            </a:r>
-            <a:endParaRPr lang="zh-CN" altLang="en-US" dirty="0"/>
-          </a:p>
-        </p:txBody>
-      </p:sp>
+      </p:pic>
     </p:spTree>
     <p:extLst>
       <p:ext uri="{BB962C8B-B14F-4D97-AF65-F5344CB8AC3E}">
-        <p14:creationId xmlns:p14="http://schemas.microsoft.com/office/powerpoint/2010/main" val="4001167684"/>
+        <p14:creationId xmlns:p14="http://schemas.microsoft.com/office/powerpoint/2010/main" val="3297352015"/>
       </p:ext>
     </p:extLst>
   </p:cSld>
@@ -5165,7 +5923,75 @@
   <p:timing>
     <p:tnLst>
       <p:par>
-        <p:cTn id="1" dur="indefinite" restart="never" nodeType="tmRoot"/>
+        <p:cTn id="1" dur="indefinite" restart="never" nodeType="tmRoot">
+          <p:childTnLst>
+            <p:seq concurrent="1" nextAc="seek">
+              <p:cTn id="2" dur="indefinite" nodeType="mainSeq">
+                <p:childTnLst>
+                  <p:par>
+                    <p:cTn id="3" fill="hold">
+                      <p:stCondLst>
+                        <p:cond delay="indefinite"/>
+                      </p:stCondLst>
+                      <p:childTnLst>
+                        <p:par>
+                          <p:cTn id="4" fill="hold">
+                            <p:stCondLst>
+                              <p:cond delay="0"/>
+                            </p:stCondLst>
+                            <p:childTnLst>
+                              <p:par>
+                                <p:cTn id="5" presetID="1" presetClass="entr" presetSubtype="0" fill="hold" nodeType="clickEffect">
+                                  <p:stCondLst>
+                                    <p:cond delay="0"/>
+                                  </p:stCondLst>
+                                  <p:childTnLst>
+                                    <p:set>
+                                      <p:cBhvr>
+                                        <p:cTn id="6" dur="1" fill="hold">
+                                          <p:stCondLst>
+                                            <p:cond delay="0"/>
+                                          </p:stCondLst>
+                                        </p:cTn>
+                                        <p:tgtEl>
+                                          <p:spTgt spid="4"/>
+                                        </p:tgtEl>
+                                        <p:attrNameLst>
+                                          <p:attrName>style.visibility</p:attrName>
+                                        </p:attrNameLst>
+                                      </p:cBhvr>
+                                      <p:to>
+                                        <p:strVal val="visible"/>
+                                      </p:to>
+                                    </p:set>
+                                  </p:childTnLst>
+                                </p:cTn>
+                              </p:par>
+                            </p:childTnLst>
+                          </p:cTn>
+                        </p:par>
+                      </p:childTnLst>
+                    </p:cTn>
+                  </p:par>
+                </p:childTnLst>
+              </p:cTn>
+              <p:prevCondLst>
+                <p:cond evt="onPrev" delay="0">
+                  <p:tgtEl>
+                    <p:sldTgt/>
+                  </p:tgtEl>
+                </p:cond>
+              </p:prevCondLst>
+              <p:nextCondLst>
+                <p:cond evt="onNext" delay="0">
+                  <p:tgtEl>
+                    <p:sldTgt/>
+                  </p:tgtEl>
+                </p:cond>
+              </p:nextCondLst>
+            </p:seq>
+          </p:childTnLst>
+        </p:cTn>
       </p:par>
     </p:tnLst>
   </p:timing>
